--- a/djlee/CSharp/씨샵/실제 강의시 사용한 자료들/1_2_3/3단원_조건문.pptx
+++ b/djlee/CSharp/씨샵/실제 강의시 사용한 자료들/1_2_3/3단원_조건문.pptx
@@ -133,7 +133,7 @@
   </p:defaultTextStyle>
   <p:extLst>
     <p:ext uri="{EFAFB233-063F-42B5-8137-9DF3F51BA10A}">
-      <p15:sldGuideLst xmlns:p15="http://schemas.microsoft.com/office/powerpoint/2012/main" xmlns="">
+      <p15:sldGuideLst xmlns:p15="http://schemas.microsoft.com/office/powerpoint/2012/main">
         <p15:guide id="1" orient="horz" pos="2160">
           <p15:clr>
             <a:srgbClr val="A4A3A4"/>
@@ -147,7 +147,7 @@
       </p15:sldGuideLst>
     </p:ext>
     <p:ext uri="{2D200454-40CA-4A62-9FC3-DE9A4176ACB9}">
-      <p15:notesGuideLst xmlns:p15="http://schemas.microsoft.com/office/powerpoint/2012/main" xmlns=""/>
+      <p15:notesGuideLst xmlns:p15="http://schemas.microsoft.com/office/powerpoint/2012/main"/>
     </p:ext>
   </p:extLst>
 </p:presentation>
@@ -236,7 +236,7 @@
             <a:fld id="{DC87C3E9-2372-4D2D-A8FE-578D26F0CAB8}" type="datetimeFigureOut">
               <a:rPr lang="ko-KR" altLang="en-US" smtClean="0"/>
               <a:pPr/>
-              <a:t>2020-05-19</a:t>
+              <a:t>2022-06-03</a:t>
             </a:fld>
             <a:endParaRPr lang="ko-KR" altLang="en-US"/>
           </a:p>
@@ -403,7 +403,7 @@
             <a:fld id="{05BC3899-2E4F-4D3A-8D29-BF4BDDE21DE2}" type="datetimeFigureOut">
               <a:rPr lang="ko-KR" altLang="en-US" smtClean="0"/>
               <a:pPr/>
-              <a:t>2020-05-19</a:t>
+              <a:t>2022-06-03</a:t>
             </a:fld>
             <a:endParaRPr lang="ko-KR" altLang="en-US"/>
           </a:p>
@@ -1004,6 +1004,91 @@
     <p:extLst>
       <p:ext uri="{BB962C8B-B14F-4D97-AF65-F5344CB8AC3E}">
         <p14:creationId xmlns:p14="http://schemas.microsoft.com/office/powerpoint/2010/main" val="2620798504"/>
+      </p:ext>
+    </p:extLst>
+  </p:cSld>
+  <p:clrMapOvr>
+    <a:masterClrMapping/>
+  </p:clrMapOvr>
+</p:notes>
+</file>
+
+<file path=ppt/notesSlides/notesSlide13.xml><?xml version="1.0" encoding="utf-8"?>
+<p:notes xmlns:a="http://schemas.openxmlformats.org/drawingml/2006/main" xmlns:r="http://schemas.openxmlformats.org/officeDocument/2006/relationships" xmlns:p="http://schemas.openxmlformats.org/presentationml/2006/main">
+  <p:cSld>
+    <p:spTree>
+      <p:nvGrpSpPr>
+        <p:cNvPr id="1" name=""/>
+        <p:cNvGrpSpPr/>
+        <p:nvPr/>
+      </p:nvGrpSpPr>
+      <p:grpSpPr>
+        <a:xfrm>
+          <a:off x="0" y="0"/>
+          <a:ext cx="0" cy="0"/>
+          <a:chOff x="0" y="0"/>
+          <a:chExt cx="0" cy="0"/>
+        </a:xfrm>
+      </p:grpSpPr>
+      <p:sp>
+        <p:nvSpPr>
+          <p:cNvPr id="2" name="슬라이드 이미지 개체 틀 1"/>
+          <p:cNvSpPr>
+            <a:spLocks noGrp="1" noRot="1" noChangeAspect="1"/>
+          </p:cNvSpPr>
+          <p:nvPr>
+            <p:ph type="sldImg"/>
+          </p:nvPr>
+        </p:nvSpPr>
+        <p:spPr/>
+      </p:sp>
+      <p:sp>
+        <p:nvSpPr>
+          <p:cNvPr id="3" name="슬라이드 노트 개체 틀 2"/>
+          <p:cNvSpPr>
+            <a:spLocks noGrp="1"/>
+          </p:cNvSpPr>
+          <p:nvPr>
+            <p:ph type="body" idx="1"/>
+          </p:nvPr>
+        </p:nvSpPr>
+        <p:spPr/>
+        <p:txBody>
+          <a:bodyPr/>
+          <a:lstStyle/>
+          <a:p>
+            <a:endParaRPr lang="ko-KR" altLang="en-US" dirty="0"/>
+          </a:p>
+        </p:txBody>
+      </p:sp>
+      <p:sp>
+        <p:nvSpPr>
+          <p:cNvPr id="4" name="슬라이드 번호 개체 틀 3"/>
+          <p:cNvSpPr>
+            <a:spLocks noGrp="1"/>
+          </p:cNvSpPr>
+          <p:nvPr>
+            <p:ph type="sldNum" sz="quarter" idx="5"/>
+          </p:nvPr>
+        </p:nvSpPr>
+        <p:spPr/>
+        <p:txBody>
+          <a:bodyPr/>
+          <a:lstStyle/>
+          <a:p>
+            <a:fld id="{089363BF-43B7-4F43-ABD0-D052F59FCD18}" type="slidenum">
+              <a:rPr lang="ko-KR" altLang="en-US" smtClean="0"/>
+              <a:pPr/>
+              <a:t>21</a:t>
+            </a:fld>
+            <a:endParaRPr lang="ko-KR" altLang="en-US"/>
+          </a:p>
+        </p:txBody>
+      </p:sp>
+    </p:spTree>
+    <p:extLst>
+      <p:ext uri="{BB962C8B-B14F-4D97-AF65-F5344CB8AC3E}">
+        <p14:creationId xmlns:p14="http://schemas.microsoft.com/office/powerpoint/2010/main" val="577610194"/>
       </p:ext>
     </p:extLst>
   </p:cSld>
@@ -5631,7 +5716,7 @@
             <a:fld id="{4B2FD9B6-DC5A-4644-B01F-335E6DD2CDD1}" type="datetimeFigureOut">
               <a:rPr lang="ko-KR" altLang="en-US" smtClean="0"/>
               <a:pPr/>
-              <a:t>2020-05-19</a:t>
+              <a:t>2022-06-03</a:t>
             </a:fld>
             <a:endParaRPr lang="ko-KR" altLang="en-US" dirty="0"/>
           </a:p>
@@ -7334,13 +7419,6 @@
   <p:clrMapOvr>
     <a:masterClrMapping/>
   </p:clrMapOvr>
-  <p:timing>
-    <p:tnLst>
-      <p:par>
-        <p:cTn id="1" dur="indefinite" restart="never" nodeType="tmRoot"/>
-      </p:par>
-    </p:tnLst>
-  </p:timing>
 </p:sld>
 </file>
 
@@ -7475,13 +7553,6 @@
   <p:clrMapOvr>
     <a:masterClrMapping/>
   </p:clrMapOvr>
-  <p:timing>
-    <p:tnLst>
-      <p:par>
-        <p:cTn id="1" dur="indefinite" restart="never" nodeType="tmRoot"/>
-      </p:par>
-    </p:tnLst>
-  </p:timing>
 </p:sld>
 </file>
 
@@ -7589,13 +7660,6 @@
   <p:clrMapOvr>
     <a:masterClrMapping/>
   </p:clrMapOvr>
-  <p:timing>
-    <p:tnLst>
-      <p:par>
-        <p:cTn id="1" dur="indefinite" restart="never" nodeType="tmRoot"/>
-      </p:par>
-    </p:tnLst>
-  </p:timing>
 </p:sld>
 </file>
 
@@ -7703,13 +7767,6 @@
   <p:clrMapOvr>
     <a:masterClrMapping/>
   </p:clrMapOvr>
-  <p:timing>
-    <p:tnLst>
-      <p:par>
-        <p:cTn id="1" dur="indefinite" restart="never" nodeType="tmRoot"/>
-      </p:par>
-    </p:tnLst>
-  </p:timing>
 </p:sld>
 </file>
 
@@ -7901,13 +7958,6 @@
   <p:clrMapOvr>
     <a:masterClrMapping/>
   </p:clrMapOvr>
-  <p:timing>
-    <p:tnLst>
-      <p:par>
-        <p:cTn id="1" dur="indefinite" restart="never" nodeType="tmRoot"/>
-      </p:par>
-    </p:tnLst>
-  </p:timing>
 </p:sld>
 </file>
 
@@ -8210,13 +8260,6 @@
   <p:clrMapOvr>
     <a:masterClrMapping/>
   </p:clrMapOvr>
-  <p:timing>
-    <p:tnLst>
-      <p:par>
-        <p:cTn id="1" dur="indefinite" restart="never" nodeType="tmRoot"/>
-      </p:par>
-    </p:tnLst>
-  </p:timing>
 </p:sld>
 </file>
 
@@ -8392,13 +8435,6 @@
   <p:clrMapOvr>
     <a:masterClrMapping/>
   </p:clrMapOvr>
-  <p:timing>
-    <p:tnLst>
-      <p:par>
-        <p:cTn id="1" dur="indefinite" restart="never" nodeType="tmRoot"/>
-      </p:par>
-    </p:tnLst>
-  </p:timing>
 </p:sld>
 </file>
 
@@ -8610,13 +8646,6 @@
   <p:clrMapOvr>
     <a:masterClrMapping/>
   </p:clrMapOvr>
-  <p:timing>
-    <p:tnLst>
-      <p:par>
-        <p:cTn id="1" dur="indefinite" restart="never" nodeType="tmRoot"/>
-      </p:par>
-    </p:tnLst>
-  </p:timing>
 </p:sld>
 </file>
 
@@ -8788,13 +8817,6 @@
   <p:clrMapOvr>
     <a:masterClrMapping/>
   </p:clrMapOvr>
-  <p:timing>
-    <p:tnLst>
-      <p:par>
-        <p:cTn id="1" dur="indefinite" restart="never" nodeType="tmRoot"/>
-      </p:par>
-    </p:tnLst>
-  </p:timing>
 </p:sld>
 </file>
 
@@ -9006,13 +9028,6 @@
   <p:clrMapOvr>
     <a:masterClrMapping/>
   </p:clrMapOvr>
-  <p:timing>
-    <p:tnLst>
-      <p:par>
-        <p:cTn id="1" dur="indefinite" restart="never" nodeType="tmRoot"/>
-      </p:par>
-    </p:tnLst>
-  </p:timing>
 </p:sld>
 </file>
 
@@ -9240,13 +9255,6 @@
   <p:clrMapOvr>
     <a:masterClrMapping/>
   </p:clrMapOvr>
-  <p:timing>
-    <p:tnLst>
-      <p:par>
-        <p:cTn id="1" dur="indefinite" restart="never" nodeType="tmRoot"/>
-      </p:par>
-    </p:tnLst>
-  </p:timing>
 </p:sld>
 </file>
 
@@ -9359,13 +9367,6 @@
   <p:clrMapOvr>
     <a:masterClrMapping/>
   </p:clrMapOvr>
-  <p:timing>
-    <p:tnLst>
-      <p:par>
-        <p:cTn id="1" dur="indefinite" restart="never" nodeType="tmRoot"/>
-      </p:par>
-    </p:tnLst>
-  </p:timing>
 </p:sld>
 </file>
 
@@ -9584,7 +9585,7 @@
           <p:cNvPr id="4" name="직사각형 3">
             <a:extLst>
               <a:ext uri="{FF2B5EF4-FFF2-40B4-BE49-F238E27FC236}">
-                <a16:creationId xmlns:a16="http://schemas.microsoft.com/office/drawing/2014/main" xmlns="" id="{65D0A060-05A3-444B-AEFF-BA10C4935507}"/>
+                <a16:creationId xmlns:a16="http://schemas.microsoft.com/office/drawing/2014/main" id="{65D0A060-05A3-444B-AEFF-BA10C4935507}"/>
               </a:ext>
             </a:extLst>
           </p:cNvPr>
@@ -9628,13 +9629,6 @@
   <p:clrMapOvr>
     <a:masterClrMapping/>
   </p:clrMapOvr>
-  <p:timing>
-    <p:tnLst>
-      <p:par>
-        <p:cTn id="1" dur="indefinite" restart="never" nodeType="tmRoot"/>
-      </p:par>
-    </p:tnLst>
-  </p:timing>
 </p:sld>
 </file>
 
@@ -9660,7 +9654,7 @@
           <p:cNvPr id="2" name="제목 1">
             <a:extLst>
               <a:ext uri="{FF2B5EF4-FFF2-40B4-BE49-F238E27FC236}">
-                <a16:creationId xmlns:a16="http://schemas.microsoft.com/office/drawing/2014/main" xmlns="" id="{785FBABA-6F6B-4548-BAF6-0F59C067D7AF}"/>
+                <a16:creationId xmlns:a16="http://schemas.microsoft.com/office/drawing/2014/main" id="{785FBABA-6F6B-4548-BAF6-0F59C067D7AF}"/>
               </a:ext>
             </a:extLst>
           </p:cNvPr>
@@ -9688,7 +9682,7 @@
           <p:cNvPr id="3" name="내용 개체 틀 2">
             <a:extLst>
               <a:ext uri="{FF2B5EF4-FFF2-40B4-BE49-F238E27FC236}">
-                <a16:creationId xmlns:a16="http://schemas.microsoft.com/office/drawing/2014/main" xmlns="" id="{3711F8B8-5020-4C2A-A6E3-4E5016357114}"/>
+                <a16:creationId xmlns:a16="http://schemas.microsoft.com/office/drawing/2014/main" id="{3711F8B8-5020-4C2A-A6E3-4E5016357114}"/>
               </a:ext>
             </a:extLst>
           </p:cNvPr>
@@ -9701,7 +9695,9 @@
         </p:nvSpPr>
         <p:spPr/>
         <p:txBody>
-          <a:bodyPr/>
+          <a:bodyPr>
+            <a:normAutofit/>
+          </a:bodyPr>
           <a:lstStyle/>
           <a:p>
             <a:r>
@@ -9709,24 +9705,23 @@
               <a:t>사용자에게 태어난 년도를 입력 받아 그 해의 띠를 출력하는 프로그램을 작성하시오</a:t>
             </a:r>
             <a:r>
-              <a:rPr lang="en-US" altLang="ko-KR" dirty="0" smtClean="0"/>
+              <a:rPr lang="en-US" altLang="ko-KR" dirty="0"/>
               <a:t>.</a:t>
             </a:r>
           </a:p>
           <a:p>
-            <a:pPr lvl="1"/>
-            <a:r>
-              <a:rPr lang="ko-KR" altLang="en-US" dirty="0" smtClean="0"/>
-              <a:t>현재 년도가 무슨 띠인지 구하는 프로그램을 작성하시오</a:t>
-            </a:r>
-            <a:r>
-              <a:rPr lang="en-US" altLang="ko-KR" dirty="0" smtClean="0"/>
-              <a:t>.</a:t>
-            </a:r>
-            <a:endParaRPr lang="en-US" altLang="ko-KR" dirty="0"/>
-          </a:p>
-          <a:p>
-            <a:endParaRPr lang="en-US" altLang="ko-KR" dirty="0"/>
+            <a:r>
+              <a:rPr lang="ko-KR" altLang="en-US" dirty="0"/>
+              <a:t>현재 년도가 무슨 띠인지 구하는 프로그램을 </a:t>
+            </a:r>
+            <a:r>
+              <a:rPr lang="ko-KR" altLang="en-US" dirty="0" err="1"/>
+              <a:t>작성하시오</a:t>
+            </a:r>
+            <a:r>
+              <a:rPr lang="en-US" altLang="ko-KR" dirty="0"/>
+              <a:t>.(switch)</a:t>
+            </a:r>
           </a:p>
           <a:p>
             <a:r>
@@ -9739,57 +9734,193 @@
             </a:r>
             <a:r>
               <a:rPr lang="ko-KR" altLang="en-US" dirty="0"/>
-              <a:t> 계절을 출력하는 프로그램을 작성하시오</a:t>
-            </a:r>
-            <a:r>
-              <a:rPr lang="en-US" altLang="ko-KR" dirty="0" smtClean="0"/>
+              <a:t> 계절을 출력하는 프로그램을 </a:t>
+            </a:r>
+            <a:r>
+              <a:rPr lang="ko-KR" altLang="en-US" dirty="0" err="1"/>
+              <a:t>작성하시오</a:t>
+            </a:r>
+            <a:r>
+              <a:rPr lang="en-US" altLang="ko-KR" dirty="0"/>
               <a:t>.</a:t>
             </a:r>
           </a:p>
           <a:p>
             <a:pPr lvl="1"/>
             <a:r>
-              <a:rPr lang="ko-KR" altLang="en-US" dirty="0" smtClean="0"/>
-              <a:t>현재 월이 무슨 계절인지 구하는 프로그램을 작성하시오</a:t>
-            </a:r>
-            <a:r>
-              <a:rPr lang="en-US" altLang="ko-KR" dirty="0" smtClean="0"/>
-              <a:t>.</a:t>
-            </a:r>
+              <a:rPr lang="en-US" altLang="ko-KR" dirty="0"/>
+              <a:t>If</a:t>
+            </a:r>
+            <a:r>
+              <a:rPr lang="ko-KR" altLang="en-US" dirty="0"/>
+              <a:t>문</a:t>
+            </a:r>
+            <a:endParaRPr lang="en-US" altLang="ko-KR" dirty="0"/>
           </a:p>
           <a:p>
             <a:pPr lvl="1"/>
+            <a:r>
+              <a:rPr lang="en-US" altLang="ko-KR" dirty="0"/>
+              <a:t>12,1,2 </a:t>
+            </a:r>
+            <a:r>
+              <a:rPr lang="ko-KR" altLang="en-US" dirty="0"/>
+              <a:t>겨울</a:t>
+            </a:r>
+            <a:r>
+              <a:rPr lang="en-US" altLang="ko-KR" dirty="0"/>
+              <a:t>/3,4,5 </a:t>
+            </a:r>
+            <a:r>
+              <a:rPr lang="ko-KR" altLang="en-US" dirty="0"/>
+              <a:t>봄</a:t>
+            </a:r>
+            <a:r>
+              <a:rPr lang="en-US" altLang="ko-KR" dirty="0"/>
+              <a:t>/6,7,8 </a:t>
+            </a:r>
+            <a:r>
+              <a:rPr lang="ko-KR" altLang="en-US" dirty="0"/>
+              <a:t>여름</a:t>
+            </a:r>
+            <a:r>
+              <a:rPr lang="en-US" altLang="ko-KR" dirty="0"/>
+              <a:t>/9,10,11 </a:t>
+            </a:r>
+            <a:r>
+              <a:rPr lang="ko-KR" altLang="en-US" dirty="0"/>
+              <a:t>가을</a:t>
+            </a:r>
             <a:endParaRPr lang="en-US" altLang="ko-KR" dirty="0"/>
           </a:p>
           <a:p>
             <a:r>
-              <a:rPr lang="ko-KR" altLang="en-US" dirty="0" smtClean="0"/>
-              <a:t>필요 </a:t>
-            </a:r>
-            <a:r>
-              <a:rPr lang="ko-KR" altLang="en-US" dirty="0" err="1" smtClean="0"/>
-              <a:t>자료형</a:t>
-            </a:r>
-            <a:endParaRPr lang="en-US" altLang="ko-KR" dirty="0" smtClean="0"/>
+              <a:rPr lang="ko-KR" altLang="en-US" dirty="0"/>
+              <a:t>현재 월이 무슨 계절인지 구하는 프로그램을 </a:t>
+            </a:r>
+            <a:r>
+              <a:rPr lang="ko-KR" altLang="en-US" dirty="0" err="1"/>
+              <a:t>작성하시오</a:t>
+            </a:r>
+            <a:r>
+              <a:rPr lang="en-US" altLang="ko-KR" dirty="0"/>
+              <a:t>. (switch)</a:t>
+            </a:r>
           </a:p>
           <a:p>
             <a:pPr lvl="1"/>
             <a:r>
-              <a:rPr lang="en-US" altLang="ko-KR" dirty="0" err="1" smtClean="0"/>
+              <a:rPr lang="en-US" altLang="ko-KR" dirty="0"/>
+              <a:t>If</a:t>
+            </a:r>
+            <a:r>
+              <a:rPr lang="ko-KR" altLang="en-US" dirty="0"/>
+              <a:t>문</a:t>
+            </a:r>
+            <a:endParaRPr lang="en-US" altLang="ko-KR" dirty="0"/>
+          </a:p>
+          <a:p>
+            <a:pPr lvl="1"/>
+            <a:r>
+              <a:rPr lang="en-US" altLang="ko-KR" dirty="0"/>
+              <a:t>12,1,2 </a:t>
+            </a:r>
+            <a:r>
+              <a:rPr lang="ko-KR" altLang="en-US" dirty="0"/>
+              <a:t>겨울</a:t>
+            </a:r>
+            <a:r>
+              <a:rPr lang="en-US" altLang="ko-KR" dirty="0"/>
+              <a:t>/3,4,5 </a:t>
+            </a:r>
+            <a:r>
+              <a:rPr lang="ko-KR" altLang="en-US" dirty="0"/>
+              <a:t>봄</a:t>
+            </a:r>
+            <a:r>
+              <a:rPr lang="en-US" altLang="ko-KR" dirty="0"/>
+              <a:t>/6,7,8 </a:t>
+            </a:r>
+            <a:r>
+              <a:rPr lang="ko-KR" altLang="en-US" dirty="0"/>
+              <a:t>여름</a:t>
+            </a:r>
+            <a:r>
+              <a:rPr lang="en-US" altLang="ko-KR" dirty="0"/>
+              <a:t>/9,10,11 </a:t>
+            </a:r>
+            <a:r>
+              <a:rPr lang="ko-KR" altLang="en-US" dirty="0"/>
+              <a:t>가을</a:t>
+            </a:r>
+            <a:endParaRPr lang="en-US" altLang="ko-KR" dirty="0"/>
+          </a:p>
+          <a:p>
+            <a:r>
+              <a:rPr lang="ko-KR" altLang="en-US" dirty="0"/>
+              <a:t>필요 자료형</a:t>
+            </a:r>
+            <a:r>
+              <a:rPr lang="en-US" altLang="ko-KR" dirty="0"/>
+              <a:t>(2,4</a:t>
+            </a:r>
+            <a:r>
+              <a:rPr lang="ko-KR" altLang="en-US" dirty="0"/>
+              <a:t>번째 문제에서 쓴다</a:t>
+            </a:r>
+            <a:r>
+              <a:rPr lang="en-US" altLang="ko-KR" dirty="0"/>
+              <a:t>)</a:t>
+            </a:r>
+          </a:p>
+          <a:p>
+            <a:pPr lvl="1"/>
+            <a:r>
+              <a:rPr lang="en-US" altLang="ko-KR" dirty="0" err="1"/>
               <a:t>DateTime.Now.Year</a:t>
             </a:r>
-            <a:endParaRPr lang="en-US" altLang="ko-KR" dirty="0" smtClean="0"/>
+            <a:endParaRPr lang="en-US" altLang="ko-KR" dirty="0"/>
           </a:p>
           <a:p>
             <a:pPr lvl="1"/>
             <a:r>
-              <a:rPr lang="en-US" altLang="ko-KR" dirty="0" err="1" smtClean="0"/>
+              <a:rPr lang="en-US" altLang="ko-KR" dirty="0" err="1"/>
               <a:t>DateTime.Now.Month</a:t>
             </a:r>
             <a:endParaRPr lang="ko-KR" altLang="en-US" dirty="0"/>
           </a:p>
         </p:txBody>
       </p:sp>
+      <p:pic>
+        <p:nvPicPr>
+          <p:cNvPr id="5" name="그림 4">
+            <a:extLst>
+              <a:ext uri="{FF2B5EF4-FFF2-40B4-BE49-F238E27FC236}">
+                <a16:creationId xmlns:a16="http://schemas.microsoft.com/office/drawing/2014/main" id="{7C310130-82E1-C81D-3A77-9A400B8DF428}"/>
+              </a:ext>
+            </a:extLst>
+          </p:cNvPr>
+          <p:cNvPicPr>
+            <a:picLocks noChangeAspect="1"/>
+          </p:cNvPicPr>
+          <p:nvPr/>
+        </p:nvPicPr>
+        <p:blipFill>
+          <a:blip r:embed="rId3"/>
+          <a:stretch>
+            <a:fillRect/>
+          </a:stretch>
+        </p:blipFill>
+        <p:spPr>
+          <a:xfrm>
+            <a:off x="5787135" y="4149080"/>
+            <a:ext cx="2936912" cy="2430270"/>
+          </a:xfrm>
+          <a:prstGeom prst="rect">
+            <a:avLst/>
+          </a:prstGeom>
+        </p:spPr>
+      </p:pic>
     </p:spTree>
     <p:extLst>
       <p:ext uri="{BB962C8B-B14F-4D97-AF65-F5344CB8AC3E}">
@@ -9800,13 +9931,6 @@
   <p:clrMapOvr>
     <a:masterClrMapping/>
   </p:clrMapOvr>
-  <p:timing>
-    <p:tnLst>
-      <p:par>
-        <p:cTn id="1" dur="indefinite" restart="never" nodeType="tmRoot"/>
-      </p:par>
-    </p:tnLst>
-  </p:timing>
 </p:sld>
 </file>
 
@@ -9840,13 +9964,6 @@
   <p:clrMapOvr>
     <a:masterClrMapping/>
   </p:clrMapOvr>
-  <p:timing>
-    <p:tnLst>
-      <p:par>
-        <p:cTn id="1" dur="indefinite" restart="never" nodeType="tmRoot"/>
-      </p:par>
-    </p:tnLst>
-  </p:timing>
 </p:sld>
 </file>
 
@@ -10108,13 +10225,6 @@
   <p:clrMapOvr>
     <a:masterClrMapping/>
   </p:clrMapOvr>
-  <p:timing>
-    <p:tnLst>
-      <p:par>
-        <p:cTn id="1" dur="indefinite" restart="never" nodeType="tmRoot"/>
-      </p:par>
-    </p:tnLst>
-  </p:timing>
 </p:sld>
 </file>
 
@@ -10221,13 +10331,6 @@
   <p:clrMapOvr>
     <a:masterClrMapping/>
   </p:clrMapOvr>
-  <p:timing>
-    <p:tnLst>
-      <p:par>
-        <p:cTn id="1" dur="indefinite" restart="never" nodeType="tmRoot"/>
-      </p:par>
-    </p:tnLst>
-  </p:timing>
 </p:sld>
 </file>
 
@@ -10391,13 +10494,6 @@
   <p:clrMapOvr>
     <a:masterClrMapping/>
   </p:clrMapOvr>
-  <p:timing>
-    <p:tnLst>
-      <p:par>
-        <p:cTn id="1" dur="indefinite" restart="never" nodeType="tmRoot"/>
-      </p:par>
-    </p:tnLst>
-  </p:timing>
 </p:sld>
 </file>
 
@@ -10625,13 +10721,6 @@
   <p:clrMapOvr>
     <a:masterClrMapping/>
   </p:clrMapOvr>
-  <p:timing>
-    <p:tnLst>
-      <p:par>
-        <p:cTn id="1" dur="indefinite" restart="never" nodeType="tmRoot"/>
-      </p:par>
-    </p:tnLst>
-  </p:timing>
 </p:sld>
 </file>
 
@@ -10803,13 +10892,6 @@
   <p:clrMapOvr>
     <a:masterClrMapping/>
   </p:clrMapOvr>
-  <p:timing>
-    <p:tnLst>
-      <p:par>
-        <p:cTn id="1" dur="indefinite" restart="never" nodeType="tmRoot"/>
-      </p:par>
-    </p:tnLst>
-  </p:timing>
 </p:sld>
 </file>
 
@@ -11035,13 +11117,6 @@
   <p:clrMapOvr>
     <a:masterClrMapping/>
   </p:clrMapOvr>
-  <p:timing>
-    <p:tnLst>
-      <p:par>
-        <p:cTn id="1" dur="indefinite" restart="never" nodeType="tmRoot"/>
-      </p:par>
-    </p:tnLst>
-  </p:timing>
 </p:sld>
 </file>
 
@@ -11281,13 +11356,6 @@
   <p:clrMapOvr>
     <a:masterClrMapping/>
   </p:clrMapOvr>
-  <p:timing>
-    <p:tnLst>
-      <p:par>
-        <p:cTn id="1" dur="indefinite" restart="never" nodeType="tmRoot"/>
-      </p:par>
-    </p:tnLst>
-  </p:timing>
 </p:sld>
 </file>
 
@@ -12192,7 +12260,7 @@
   <a:extraClrSchemeLst/>
   <a:extLst>
     <a:ext uri="{05A4C25C-085E-4340-85A3-A5531E510DB2}">
-      <thm15:themeFamily xmlns:thm15="http://schemas.microsoft.com/office/thememl/2012/main" xmlns="" name="Office Theme" id="{62F939B6-93AF-4DB8-9C6B-D6C7DFDC589F}" vid="{4A3C46E8-61CC-4603-A589-7422A47A8E4A}"/>
+      <thm15:themeFamily xmlns:thm15="http://schemas.microsoft.com/office/thememl/2012/main" name="Office Theme" id="{62F939B6-93AF-4DB8-9C6B-D6C7DFDC589F}" vid="{4A3C46E8-61CC-4603-A589-7422A47A8E4A}"/>
     </a:ext>
   </a:extLst>
 </a:theme>

--- a/djlee/CSharp/씨샵/실제 강의시 사용한 자료들/1_2_3/3단원_조건문.pptx
+++ b/djlee/CSharp/씨샵/실제 강의시 사용한 자료들/1_2_3/3단원_조건문.pptx
@@ -9702,7 +9702,48 @@
           <a:p>
             <a:r>
               <a:rPr lang="ko-KR" altLang="en-US" dirty="0"/>
-              <a:t>사용자에게 태어난 년도를 입력 받아 그 해의 띠를 출력하는 프로그램을 작성하시오</a:t>
+              <a:t>사용자에게 태어난 년도를 입력 받아 그 해의 띠를 출력하는 프로그램을 </a:t>
+            </a:r>
+            <a:r>
+              <a:rPr lang="ko-KR" altLang="en-US" dirty="0" err="1"/>
+              <a:t>작성하시오</a:t>
+            </a:r>
+            <a:r>
+              <a:rPr lang="en-US" altLang="ko-KR"/>
+              <a:t>.(if)</a:t>
+            </a:r>
+            <a:endParaRPr lang="en-US" altLang="ko-KR" dirty="0"/>
+          </a:p>
+          <a:p>
+            <a:r>
+              <a:rPr lang="ko-KR" altLang="en-US" dirty="0"/>
+              <a:t>현재 년도가 무슨 띠인지 구하는 프로그램을 </a:t>
+            </a:r>
+            <a:r>
+              <a:rPr lang="ko-KR" altLang="en-US" dirty="0" err="1"/>
+              <a:t>작성하시오</a:t>
+            </a:r>
+            <a:r>
+              <a:rPr lang="en-US" altLang="ko-KR" dirty="0"/>
+              <a:t>.(switch)</a:t>
+            </a:r>
+          </a:p>
+          <a:p>
+            <a:r>
+              <a:rPr lang="ko-KR" altLang="en-US" dirty="0"/>
+              <a:t>사용자에게 현재 월을 </a:t>
+            </a:r>
+            <a:r>
+              <a:rPr lang="ko-KR" altLang="en-US" dirty="0" err="1"/>
+              <a:t>입력받아</a:t>
+            </a:r>
+            <a:r>
+              <a:rPr lang="ko-KR" altLang="en-US" dirty="0"/>
+              <a:t> 계절을 출력하는 프로그램을 </a:t>
+            </a:r>
+            <a:r>
+              <a:rPr lang="ko-KR" altLang="en-US" dirty="0" err="1"/>
+              <a:t>작성하시오</a:t>
             </a:r>
             <a:r>
               <a:rPr lang="en-US" altLang="ko-KR" dirty="0"/>
@@ -9710,9 +9751,57 @@
             </a:r>
           </a:p>
           <a:p>
+            <a:pPr lvl="1"/>
+            <a:r>
+              <a:rPr lang="en-US" altLang="ko-KR" dirty="0"/>
+              <a:t>If</a:t>
+            </a:r>
             <a:r>
               <a:rPr lang="ko-KR" altLang="en-US" dirty="0"/>
-              <a:t>현재 년도가 무슨 띠인지 구하는 프로그램을 </a:t>
+              <a:t>문</a:t>
+            </a:r>
+            <a:endParaRPr lang="en-US" altLang="ko-KR" dirty="0"/>
+          </a:p>
+          <a:p>
+            <a:pPr lvl="1"/>
+            <a:r>
+              <a:rPr lang="en-US" altLang="ko-KR" dirty="0"/>
+              <a:t>12,1,2 </a:t>
+            </a:r>
+            <a:r>
+              <a:rPr lang="ko-KR" altLang="en-US" dirty="0"/>
+              <a:t>겨울</a:t>
+            </a:r>
+            <a:r>
+              <a:rPr lang="en-US" altLang="ko-KR" dirty="0"/>
+              <a:t>/3,4,5 </a:t>
+            </a:r>
+            <a:r>
+              <a:rPr lang="ko-KR" altLang="en-US" dirty="0"/>
+              <a:t>봄</a:t>
+            </a:r>
+            <a:r>
+              <a:rPr lang="en-US" altLang="ko-KR" dirty="0"/>
+              <a:t>/6,7,8 </a:t>
+            </a:r>
+            <a:r>
+              <a:rPr lang="ko-KR" altLang="en-US" dirty="0"/>
+              <a:t>여름</a:t>
+            </a:r>
+            <a:r>
+              <a:rPr lang="en-US" altLang="ko-KR" dirty="0"/>
+              <a:t>/9,10,11 </a:t>
+            </a:r>
+            <a:r>
+              <a:rPr lang="ko-KR" altLang="en-US" dirty="0"/>
+              <a:t>가을</a:t>
+            </a:r>
+            <a:endParaRPr lang="en-US" altLang="ko-KR" dirty="0"/>
+          </a:p>
+          <a:p>
+            <a:r>
+              <a:rPr lang="ko-KR" altLang="en-US" dirty="0"/>
+              <a:t>현재 월이 무슨 계절인지 구하는 프로그램을 </a:t>
             </a:r>
             <a:r>
               <a:rPr lang="ko-KR" altLang="en-US" dirty="0" err="1"/>
@@ -9720,104 +9809,8 @@
             </a:r>
             <a:r>
               <a:rPr lang="en-US" altLang="ko-KR" dirty="0"/>
-              <a:t>.(switch)</a:t>
-            </a:r>
-          </a:p>
-          <a:p>
-            <a:r>
-              <a:rPr lang="ko-KR" altLang="en-US" dirty="0"/>
-              <a:t>사용자에게 현재 월을 </a:t>
-            </a:r>
-            <a:r>
-              <a:rPr lang="ko-KR" altLang="en-US" dirty="0" err="1"/>
-              <a:t>입력받아</a:t>
-            </a:r>
-            <a:r>
-              <a:rPr lang="ko-KR" altLang="en-US" dirty="0"/>
-              <a:t> 계절을 출력하는 프로그램을 </a:t>
-            </a:r>
-            <a:r>
-              <a:rPr lang="ko-KR" altLang="en-US" dirty="0" err="1"/>
-              <a:t>작성하시오</a:t>
-            </a:r>
-            <a:r>
-              <a:rPr lang="en-US" altLang="ko-KR" dirty="0"/>
-              <a:t>.</a:t>
-            </a:r>
-          </a:p>
-          <a:p>
-            <a:pPr lvl="1"/>
-            <a:r>
-              <a:rPr lang="en-US" altLang="ko-KR" dirty="0"/>
-              <a:t>If</a:t>
-            </a:r>
-            <a:r>
-              <a:rPr lang="ko-KR" altLang="en-US" dirty="0"/>
-              <a:t>문</a:t>
-            </a:r>
-            <a:endParaRPr lang="en-US" altLang="ko-KR" dirty="0"/>
-          </a:p>
-          <a:p>
-            <a:pPr lvl="1"/>
-            <a:r>
-              <a:rPr lang="en-US" altLang="ko-KR" dirty="0"/>
-              <a:t>12,1,2 </a:t>
-            </a:r>
-            <a:r>
-              <a:rPr lang="ko-KR" altLang="en-US" dirty="0"/>
-              <a:t>겨울</a:t>
-            </a:r>
-            <a:r>
-              <a:rPr lang="en-US" altLang="ko-KR" dirty="0"/>
-              <a:t>/3,4,5 </a:t>
-            </a:r>
-            <a:r>
-              <a:rPr lang="ko-KR" altLang="en-US" dirty="0"/>
-              <a:t>봄</a:t>
-            </a:r>
-            <a:r>
-              <a:rPr lang="en-US" altLang="ko-KR" dirty="0"/>
-              <a:t>/6,7,8 </a:t>
-            </a:r>
-            <a:r>
-              <a:rPr lang="ko-KR" altLang="en-US" dirty="0"/>
-              <a:t>여름</a:t>
-            </a:r>
-            <a:r>
-              <a:rPr lang="en-US" altLang="ko-KR" dirty="0"/>
-              <a:t>/9,10,11 </a:t>
-            </a:r>
-            <a:r>
-              <a:rPr lang="ko-KR" altLang="en-US" dirty="0"/>
-              <a:t>가을</a:t>
-            </a:r>
-            <a:endParaRPr lang="en-US" altLang="ko-KR" dirty="0"/>
-          </a:p>
-          <a:p>
-            <a:r>
-              <a:rPr lang="ko-KR" altLang="en-US" dirty="0"/>
-              <a:t>현재 월이 무슨 계절인지 구하는 프로그램을 </a:t>
-            </a:r>
-            <a:r>
-              <a:rPr lang="ko-KR" altLang="en-US" dirty="0" err="1"/>
-              <a:t>작성하시오</a:t>
-            </a:r>
-            <a:r>
-              <a:rPr lang="en-US" altLang="ko-KR" dirty="0"/>
               <a:t>. (switch)</a:t>
             </a:r>
-          </a:p>
-          <a:p>
-            <a:pPr lvl="1"/>
-            <a:r>
-              <a:rPr lang="en-US" altLang="ko-KR" dirty="0"/>
-              <a:t>If</a:t>
-            </a:r>
-            <a:r>
-              <a:rPr lang="ko-KR" altLang="en-US" dirty="0"/>
-              <a:t>문</a:t>
-            </a:r>
-            <a:endParaRPr lang="en-US" altLang="ko-KR" dirty="0"/>
           </a:p>
           <a:p>
             <a:pPr lvl="1"/>
